--- a/fig/breakdown.pptx
+++ b/fig/breakdown.pptx
@@ -5,7 +5,7 @@
     <p:sldMasterId id="2147483660" r:id="rId1"/>
   </p:sldMasterIdLst>
   <p:sldIdLst>
-    <p:sldId id="256" r:id="rId2"/>
+    <p:sldId id="257" r:id="rId2"/>
   </p:sldIdLst>
   <p:sldSz cx="14400213" cy="6858000"/>
   <p:notesSz cx="6858000" cy="9144000"/>
@@ -104,6 +104,11 @@
       </a:defRPr>
     </a:lvl9pPr>
   </p:defaultTextStyle>
+  <p:extLst>
+    <p:ext uri="{EFAFB233-063F-42B5-8137-9DF3F51BA10A}">
+      <p15:sldGuideLst xmlns:p15="http://schemas.microsoft.com/office/powerpoint/2012/main"/>
+    </p:ext>
+  </p:extLst>
 </p:presentation>
 </file>
 
@@ -133,77 +138,76 @@
           <c:order val="0"/>
           <c:tx>
             <c:strRef>
-              <c:f>sr_vgg11_conv!$K$51</c:f>
+              <c:f>fifo!$G$15</c:f>
               <c:strCache>
                 <c:ptCount val="1"/>
                 <c:pt idx="0">
-                  <c:v>single</c:v>
+                  <c:v>sram</c:v>
                 </c:pt>
               </c:strCache>
             </c:strRef>
           </c:tx>
           <c:spPr>
             <a:solidFill>
-              <a:schemeClr val="bg1"/>
+              <a:schemeClr val="accent1"/>
             </a:solidFill>
-            <a:ln w="12700">
-              <a:solidFill>
-                <a:schemeClr val="tx1"/>
-              </a:solidFill>
+            <a:ln>
+              <a:noFill/>
             </a:ln>
             <a:effectLst/>
           </c:spPr>
           <c:invertIfNegative val="0"/>
           <c:cat>
-            <c:strRef>
-              <c:f>sr_vgg11_conv!$J$52:$J$56</c:f>
-              <c:strCache>
-                <c:ptCount val="5"/>
-                <c:pt idx="0">
-                  <c:v>1MB RRAM</c:v>
-                </c:pt>
-                <c:pt idx="1">
-                  <c:v>2MB RRAM</c:v>
-                </c:pt>
-                <c:pt idx="2">
-                  <c:v>4MB RRAM</c:v>
-                </c:pt>
-                <c:pt idx="3">
-                  <c:v>8MB RRAM</c:v>
-                </c:pt>
-                <c:pt idx="4">
-                  <c:v>16MB RRAM</c:v>
-                </c:pt>
-              </c:strCache>
-            </c:strRef>
-          </c:cat>
-          <c:val>
             <c:numRef>
-              <c:f>sr_vgg11_conv!$K$52:$K$56</c:f>
+              <c:f>fifo!$F$16:$F$20</c:f>
               <c:numCache>
                 <c:formatCode>General</c:formatCode>
                 <c:ptCount val="5"/>
                 <c:pt idx="0">
-                  <c:v>1515.991</c:v>
+                  <c:v>1</c:v>
                 </c:pt>
                 <c:pt idx="1">
-                  <c:v>1455.7810000000002</c:v>
+                  <c:v>16</c:v>
                 </c:pt>
                 <c:pt idx="2">
-                  <c:v>1415.6410000000001</c:v>
+                  <c:v>32</c:v>
                 </c:pt>
                 <c:pt idx="3">
-                  <c:v>1415.6410000000001</c:v>
+                  <c:v>64</c:v>
                 </c:pt>
                 <c:pt idx="4">
-                  <c:v>1415.6410000000001</c:v>
+                  <c:v>128</c:v>
+                </c:pt>
+              </c:numCache>
+            </c:numRef>
+          </c:cat>
+          <c:val>
+            <c:numRef>
+              <c:f>fifo!$G$16:$G$20</c:f>
+              <c:numCache>
+                <c:formatCode>General</c:formatCode>
+                <c:ptCount val="5"/>
+                <c:pt idx="0">
+                  <c:v>1448.1923139999999</c:v>
+                </c:pt>
+                <c:pt idx="1">
+                  <c:v>157.24184900000009</c:v>
+                </c:pt>
+                <c:pt idx="2">
+                  <c:v>132.99064900000019</c:v>
+                </c:pt>
+                <c:pt idx="3">
+                  <c:v>209.8482489999999</c:v>
+                </c:pt>
+                <c:pt idx="4">
+                  <c:v>222.38764899999995</c:v>
                 </c:pt>
               </c:numCache>
             </c:numRef>
           </c:val>
           <c:extLst>
             <c:ext xmlns:c16="http://schemas.microsoft.com/office/drawing/2014/chart" uri="{C3380CC4-5D6E-409C-BE32-E72D297353CC}">
-              <c16:uniqueId val="{00000000-56CE-44DB-8B94-1DACAAC30530}"/>
+              <c16:uniqueId val="{00000000-F7B0-4AE1-A181-9696F076108D}"/>
             </c:ext>
           </c:extLst>
         </c:ser>
@@ -212,167 +216,76 @@
           <c:order val="1"/>
           <c:tx>
             <c:strRef>
-              <c:f>sr_vgg11_conv!$L$51</c:f>
+              <c:f>fifo!$H$15</c:f>
               <c:strCache>
                 <c:ptCount val="1"/>
                 <c:pt idx="0">
-                  <c:v>cross</c:v>
+                  <c:v>rram</c:v>
                 </c:pt>
               </c:strCache>
             </c:strRef>
           </c:tx>
           <c:spPr>
-            <a:pattFill prst="wdDnDiag">
-              <a:fgClr>
-                <a:schemeClr val="tx1">
-                  <a:lumMod val="50000"/>
-                  <a:lumOff val="50000"/>
-                </a:schemeClr>
-              </a:fgClr>
-              <a:bgClr>
-                <a:schemeClr val="bg1"/>
-              </a:bgClr>
-            </a:pattFill>
-            <a:ln w="12700">
-              <a:solidFill>
-                <a:schemeClr val="tx1"/>
-              </a:solidFill>
+            <a:solidFill>
+              <a:schemeClr val="accent2"/>
+            </a:solidFill>
+            <a:ln>
+              <a:noFill/>
             </a:ln>
             <a:effectLst/>
           </c:spPr>
           <c:invertIfNegative val="0"/>
           <c:cat>
-            <c:strRef>
-              <c:f>sr_vgg11_conv!$J$52:$J$56</c:f>
-              <c:strCache>
-                <c:ptCount val="5"/>
-                <c:pt idx="0">
-                  <c:v>1MB RRAM</c:v>
-                </c:pt>
-                <c:pt idx="1">
-                  <c:v>2MB RRAM</c:v>
-                </c:pt>
-                <c:pt idx="2">
-                  <c:v>4MB RRAM</c:v>
-                </c:pt>
-                <c:pt idx="3">
-                  <c:v>8MB RRAM</c:v>
-                </c:pt>
-                <c:pt idx="4">
-                  <c:v>16MB RRAM</c:v>
-                </c:pt>
-              </c:strCache>
-            </c:strRef>
-          </c:cat>
-          <c:val>
             <c:numRef>
-              <c:f>sr_vgg11_conv!$L$52:$L$56</c:f>
+              <c:f>fifo!$F$16:$F$20</c:f>
               <c:numCache>
                 <c:formatCode>General</c:formatCode>
                 <c:ptCount val="5"/>
                 <c:pt idx="0">
-                  <c:v>1132.6692</c:v>
+                  <c:v>1</c:v>
                 </c:pt>
                 <c:pt idx="1">
-                  <c:v>1059.3252500000001</c:v>
+                  <c:v>16</c:v>
                 </c:pt>
                 <c:pt idx="2">
-                  <c:v>969.00625000000002</c:v>
+                  <c:v>32</c:v>
                 </c:pt>
                 <c:pt idx="3">
-                  <c:v>948.93624999999997</c:v>
+                  <c:v>64</c:v>
                 </c:pt>
                 <c:pt idx="4">
-                  <c:v>938.90125</c:v>
+                  <c:v>128</c:v>
+                </c:pt>
+              </c:numCache>
+            </c:numRef>
+          </c:cat>
+          <c:val>
+            <c:numRef>
+              <c:f>fifo!$H$16:$H$20</c:f>
+              <c:numCache>
+                <c:formatCode>General</c:formatCode>
+                <c:ptCount val="5"/>
+                <c:pt idx="0">
+                  <c:v>7255.2323140000008</c:v>
+                </c:pt>
+                <c:pt idx="1">
+                  <c:v>529.58414899999991</c:v>
+                </c:pt>
+                <c:pt idx="2">
+                  <c:v>331.98414899999995</c:v>
+                </c:pt>
+                <c:pt idx="3">
+                  <c:v>325.80014900000015</c:v>
+                </c:pt>
+                <c:pt idx="4">
+                  <c:v>296.82804899999996</c:v>
                 </c:pt>
               </c:numCache>
             </c:numRef>
           </c:val>
           <c:extLst>
             <c:ext xmlns:c16="http://schemas.microsoft.com/office/drawing/2014/chart" uri="{C3380CC4-5D6E-409C-BE32-E72D297353CC}">
-              <c16:uniqueId val="{00000001-56CE-44DB-8B94-1DACAAC30530}"/>
-            </c:ext>
-          </c:extLst>
-        </c:ser>
-        <c:ser>
-          <c:idx val="2"/>
-          <c:order val="2"/>
-          <c:tx>
-            <c:strRef>
-              <c:f>sr_vgg11_conv!$M$51</c:f>
-              <c:strCache>
-                <c:ptCount val="1"/>
-                <c:pt idx="0">
-                  <c:v>cross + fix weight</c:v>
-                </c:pt>
-              </c:strCache>
-            </c:strRef>
-          </c:tx>
-          <c:spPr>
-            <a:solidFill>
-              <a:schemeClr val="tx1">
-                <a:lumMod val="50000"/>
-                <a:lumOff val="50000"/>
-              </a:schemeClr>
-            </a:solidFill>
-            <a:ln w="12700">
-              <a:solidFill>
-                <a:schemeClr val="tx1"/>
-              </a:solidFill>
-            </a:ln>
-            <a:effectLst/>
-          </c:spPr>
-          <c:invertIfNegative val="0"/>
-          <c:cat>
-            <c:strRef>
-              <c:f>sr_vgg11_conv!$J$52:$J$56</c:f>
-              <c:strCache>
-                <c:ptCount val="5"/>
-                <c:pt idx="0">
-                  <c:v>1MB RRAM</c:v>
-                </c:pt>
-                <c:pt idx="1">
-                  <c:v>2MB RRAM</c:v>
-                </c:pt>
-                <c:pt idx="2">
-                  <c:v>4MB RRAM</c:v>
-                </c:pt>
-                <c:pt idx="3">
-                  <c:v>8MB RRAM</c:v>
-                </c:pt>
-                <c:pt idx="4">
-                  <c:v>16MB RRAM</c:v>
-                </c:pt>
-              </c:strCache>
-            </c:strRef>
-          </c:cat>
-          <c:val>
-            <c:numRef>
-              <c:f>sr_vgg11_conv!$M$52:$M$56</c:f>
-              <c:numCache>
-                <c:formatCode>General</c:formatCode>
-                <c:ptCount val="5"/>
-                <c:pt idx="0">
-                  <c:v>1125.1191999999999</c:v>
-                </c:pt>
-                <c:pt idx="1">
-                  <c:v>970.67724999999996</c:v>
-                </c:pt>
-                <c:pt idx="2">
-                  <c:v>675.15025000000003</c:v>
-                </c:pt>
-                <c:pt idx="3">
-                  <c:v>263.09324999999995</c:v>
-                </c:pt>
-                <c:pt idx="4">
-                  <c:v>17.128049999999998</c:v>
-                </c:pt>
-              </c:numCache>
-            </c:numRef>
-          </c:val>
-          <c:extLst>
-            <c:ext xmlns:c16="http://schemas.microsoft.com/office/drawing/2014/chart" uri="{C3380CC4-5D6E-409C-BE32-E72D297353CC}">
-              <c16:uniqueId val="{00000002-56CE-44DB-8B94-1DACAAC30530}"/>
+              <c16:uniqueId val="{00000001-F7B0-4AE1-A181-9696F076108D}"/>
             </c:ext>
           </c:extLst>
         </c:ser>
@@ -386,25 +299,91 @@
         </c:dLbls>
         <c:gapWidth val="219"/>
         <c:overlap val="-27"/>
-        <c:axId val="2140508591"/>
-        <c:axId val="2140511087"/>
+        <c:axId val="1385724671"/>
+        <c:axId val="1385726335"/>
       </c:barChart>
       <c:catAx>
-        <c:axId val="2140508591"/>
+        <c:axId val="1385724671"/>
         <c:scaling>
           <c:orientation val="minMax"/>
         </c:scaling>
         <c:delete val="0"/>
         <c:axPos val="b"/>
+        <c:title>
+          <c:tx>
+            <c:rich>
+              <a:bodyPr rot="0" spcFirstLastPara="1" vertOverflow="ellipsis" vert="horz" wrap="square" anchor="ctr" anchorCtr="1"/>
+              <a:lstStyle/>
+              <a:p>
+                <a:pPr>
+                  <a:defRPr sz="1100" b="0" i="0" u="none" strike="noStrike" kern="1200" baseline="0">
+                    <a:solidFill>
+                      <a:schemeClr val="tx1">
+                        <a:lumMod val="65000"/>
+                        <a:lumOff val="35000"/>
+                      </a:schemeClr>
+                    </a:solidFill>
+                    <a:latin typeface="Arial" panose="020B0604020202020204" pitchFamily="34" charset="0"/>
+                    <a:ea typeface="+mn-ea"/>
+                    <a:cs typeface="Arial" panose="020B0604020202020204" pitchFamily="34" charset="0"/>
+                  </a:defRPr>
+                </a:pPr>
+                <a:r>
+                  <a:rPr lang="en-US" altLang="zh-CN" sz="1100" dirty="0" smtClean="0">
+                    <a:latin typeface="Arial" panose="020B0604020202020204" pitchFamily="34" charset="0"/>
+                    <a:cs typeface="Arial" panose="020B0604020202020204" pitchFamily="34" charset="0"/>
+                  </a:rPr>
+                  <a:t>Accumulation Buffer Size</a:t>
+                </a:r>
+                <a:endParaRPr lang="zh-CN" altLang="en-US" sz="1100" dirty="0">
+                  <a:latin typeface="Arial" panose="020B0604020202020204" pitchFamily="34" charset="0"/>
+                  <a:cs typeface="Arial" panose="020B0604020202020204" pitchFamily="34" charset="0"/>
+                </a:endParaRPr>
+              </a:p>
+            </c:rich>
+          </c:tx>
+          <c:layout/>
+          <c:overlay val="0"/>
+          <c:spPr>
+            <a:noFill/>
+            <a:ln>
+              <a:noFill/>
+            </a:ln>
+            <a:effectLst/>
+          </c:spPr>
+          <c:txPr>
+            <a:bodyPr rot="0" spcFirstLastPara="1" vertOverflow="ellipsis" vert="horz" wrap="square" anchor="ctr" anchorCtr="1"/>
+            <a:lstStyle/>
+            <a:p>
+              <a:pPr>
+                <a:defRPr sz="1100" b="0" i="0" u="none" strike="noStrike" kern="1200" baseline="0">
+                  <a:solidFill>
+                    <a:schemeClr val="tx1">
+                      <a:lumMod val="65000"/>
+                      <a:lumOff val="35000"/>
+                    </a:schemeClr>
+                  </a:solidFill>
+                  <a:latin typeface="Arial" panose="020B0604020202020204" pitchFamily="34" charset="0"/>
+                  <a:ea typeface="+mn-ea"/>
+                  <a:cs typeface="Arial" panose="020B0604020202020204" pitchFamily="34" charset="0"/>
+                </a:defRPr>
+              </a:pPr>
+              <a:endParaRPr lang="zh-CN"/>
+            </a:p>
+          </c:txPr>
+        </c:title>
         <c:numFmt formatCode="General" sourceLinked="1"/>
         <c:majorTickMark val="none"/>
         <c:minorTickMark val="none"/>
         <c:tickLblPos val="nextTo"/>
         <c:spPr>
           <a:noFill/>
-          <a:ln w="12700" cap="flat" cmpd="sng" algn="ctr">
+          <a:ln w="9525" cap="flat" cmpd="sng" algn="ctr">
             <a:solidFill>
-              <a:schemeClr val="tx1"/>
+              <a:schemeClr val="tx1">
+                <a:lumMod val="15000"/>
+                <a:lumOff val="85000"/>
+              </a:schemeClr>
             </a:solidFill>
             <a:round/>
           </a:ln>
@@ -415,19 +394,22 @@
           <a:lstStyle/>
           <a:p>
             <a:pPr>
-              <a:defRPr sz="1400" b="0" i="0" u="none" strike="noStrike" kern="1200" baseline="0">
+              <a:defRPr sz="1100" b="0" i="0" u="none" strike="noStrike" kern="1200" baseline="0">
                 <a:solidFill>
-                  <a:schemeClr val="tx1"/>
+                  <a:schemeClr val="tx1">
+                    <a:lumMod val="65000"/>
+                    <a:lumOff val="35000"/>
+                  </a:schemeClr>
                 </a:solidFill>
-                <a:latin typeface="Times New Roman" panose="02020603050405020304" pitchFamily="18" charset="0"/>
+                <a:latin typeface="Arial" panose="020B0604020202020204" pitchFamily="34" charset="0"/>
                 <a:ea typeface="+mn-ea"/>
-                <a:cs typeface="Times New Roman" panose="02020603050405020304" pitchFamily="18" charset="0"/>
+                <a:cs typeface="Arial" panose="020B0604020202020204" pitchFamily="34" charset="0"/>
               </a:defRPr>
             </a:pPr>
             <a:endParaRPr lang="zh-CN"/>
           </a:p>
         </c:txPr>
-        <c:crossAx val="2140511087"/>
+        <c:crossAx val="1385726335"/>
         <c:crosses val="autoZero"/>
         <c:auto val="1"/>
         <c:lblAlgn val="ctr"/>
@@ -435,7 +417,7 @@
         <c:noMultiLvlLbl val="0"/>
       </c:catAx>
       <c:valAx>
-        <c:axId val="2140511087"/>
+        <c:axId val="1385726335"/>
         <c:scaling>
           <c:orientation val="minMax"/>
         </c:scaling>
@@ -462,51 +444,49 @@
               <a:lstStyle/>
               <a:p>
                 <a:pPr>
-                  <a:defRPr sz="1400" b="0" i="0" u="none" strike="noStrike" kern="1200" baseline="0">
+                  <a:defRPr sz="1100" b="0" i="0" u="none" strike="noStrike" kern="1200" baseline="0">
                     <a:solidFill>
-                      <a:schemeClr val="tx1"/>
+                      <a:schemeClr val="tx1">
+                        <a:lumMod val="65000"/>
+                        <a:lumOff val="35000"/>
+                      </a:schemeClr>
                     </a:solidFill>
-                    <a:latin typeface="Times New Roman" panose="02020603050405020304" pitchFamily="18" charset="0"/>
+                    <a:latin typeface="Arial" panose="020B0604020202020204" pitchFamily="34" charset="0"/>
                     <a:ea typeface="+mn-ea"/>
-                    <a:cs typeface="Times New Roman" panose="02020603050405020304" pitchFamily="18" charset="0"/>
+                    <a:cs typeface="Arial" panose="020B0604020202020204" pitchFamily="34" charset="0"/>
                   </a:defRPr>
                 </a:pPr>
                 <a:r>
-                  <a:rPr lang="en-US" altLang="zh-CN" sz="1400" dirty="0" smtClean="0">
-                    <a:solidFill>
-                      <a:schemeClr val="tx1"/>
-                    </a:solidFill>
-                    <a:latin typeface="Times New Roman" panose="02020603050405020304" pitchFamily="18" charset="0"/>
-                    <a:cs typeface="Times New Roman" panose="02020603050405020304" pitchFamily="18" charset="0"/>
+                  <a:rPr lang="en-US" altLang="zh-CN" sz="1100" dirty="0" smtClean="0">
+                    <a:latin typeface="Arial" panose="020B0604020202020204" pitchFamily="34" charset="0"/>
+                    <a:cs typeface="Arial" panose="020B0604020202020204" pitchFamily="34" charset="0"/>
                   </a:rPr>
-                  <a:t>DRAM Access Energy (</a:t>
+                  <a:t>On-chip</a:t>
                 </a:r>
                 <a:r>
-                  <a:rPr lang="en-US" altLang="zh-CN" sz="1400" dirty="0" err="1" smtClean="0">
-                    <a:solidFill>
-                      <a:schemeClr val="tx1"/>
-                    </a:solidFill>
-                    <a:latin typeface="Times New Roman" panose="02020603050405020304" pitchFamily="18" charset="0"/>
-                    <a:cs typeface="Times New Roman" panose="02020603050405020304" pitchFamily="18" charset="0"/>
+                  <a:rPr lang="en-US" altLang="zh-CN" sz="1100" baseline="0" dirty="0" smtClean="0">
+                    <a:latin typeface="Arial" panose="020B0604020202020204" pitchFamily="34" charset="0"/>
+                    <a:cs typeface="Arial" panose="020B0604020202020204" pitchFamily="34" charset="0"/>
+                  </a:rPr>
+                  <a:t> Buffer Energy (</a:t>
+                </a:r>
+                <a:r>
+                  <a:rPr lang="en-US" altLang="zh-CN" sz="1100" baseline="0" dirty="0" err="1" smtClean="0">
+                    <a:latin typeface="Arial" panose="020B0604020202020204" pitchFamily="34" charset="0"/>
+                    <a:cs typeface="Arial" panose="020B0604020202020204" pitchFamily="34" charset="0"/>
                   </a:rPr>
                   <a:t>uJ</a:t>
                 </a:r>
                 <a:r>
-                  <a:rPr lang="en-US" altLang="zh-CN" sz="1400" dirty="0" smtClean="0">
-                    <a:solidFill>
-                      <a:schemeClr val="tx1"/>
-                    </a:solidFill>
-                    <a:latin typeface="Times New Roman" panose="02020603050405020304" pitchFamily="18" charset="0"/>
-                    <a:cs typeface="Times New Roman" panose="02020603050405020304" pitchFamily="18" charset="0"/>
+                  <a:rPr lang="en-US" altLang="zh-CN" sz="1100" baseline="0" dirty="0" smtClean="0">
+                    <a:latin typeface="Arial" panose="020B0604020202020204" pitchFamily="34" charset="0"/>
+                    <a:cs typeface="Arial" panose="020B0604020202020204" pitchFamily="34" charset="0"/>
                   </a:rPr>
                   <a:t>)</a:t>
                 </a:r>
-                <a:endParaRPr lang="zh-CN" altLang="en-US" sz="1400" dirty="0">
-                  <a:solidFill>
-                    <a:schemeClr val="tx1"/>
-                  </a:solidFill>
-                  <a:latin typeface="Times New Roman" panose="02020603050405020304" pitchFamily="18" charset="0"/>
-                  <a:cs typeface="Times New Roman" panose="02020603050405020304" pitchFamily="18" charset="0"/>
+                <a:endParaRPr lang="zh-CN" altLang="en-US" sz="1100" dirty="0">
+                  <a:latin typeface="Arial" panose="020B0604020202020204" pitchFamily="34" charset="0"/>
+                  <a:cs typeface="Arial" panose="020B0604020202020204" pitchFamily="34" charset="0"/>
                 </a:endParaRPr>
               </a:p>
             </c:rich>
@@ -525,13 +505,16 @@
             <a:lstStyle/>
             <a:p>
               <a:pPr>
-                <a:defRPr sz="1400" b="0" i="0" u="none" strike="noStrike" kern="1200" baseline="0">
+                <a:defRPr sz="1100" b="0" i="0" u="none" strike="noStrike" kern="1200" baseline="0">
                   <a:solidFill>
-                    <a:schemeClr val="tx1"/>
+                    <a:schemeClr val="tx1">
+                      <a:lumMod val="65000"/>
+                      <a:lumOff val="35000"/>
+                    </a:schemeClr>
                   </a:solidFill>
-                  <a:latin typeface="Times New Roman" panose="02020603050405020304" pitchFamily="18" charset="0"/>
+                  <a:latin typeface="Arial" panose="020B0604020202020204" pitchFamily="34" charset="0"/>
                   <a:ea typeface="+mn-ea"/>
-                  <a:cs typeface="Times New Roman" panose="02020603050405020304" pitchFamily="18" charset="0"/>
+                  <a:cs typeface="Arial" panose="020B0604020202020204" pitchFamily="34" charset="0"/>
                 </a:defRPr>
               </a:pPr>
               <a:endParaRPr lang="zh-CN"/>
@@ -554,21 +537,25 @@
           <a:lstStyle/>
           <a:p>
             <a:pPr>
-              <a:defRPr sz="1400" b="0" i="0" u="none" strike="noStrike" kern="1200" baseline="0">
+              <a:defRPr sz="1100" b="0" i="0" u="none" strike="noStrike" kern="1200" baseline="0">
                 <a:solidFill>
-                  <a:schemeClr val="tx1"/>
+                  <a:schemeClr val="tx1">
+                    <a:lumMod val="65000"/>
+                    <a:lumOff val="35000"/>
+                  </a:schemeClr>
                 </a:solidFill>
-                <a:latin typeface="Times New Roman" panose="02020603050405020304" pitchFamily="18" charset="0"/>
+                <a:latin typeface="Arial" panose="020B0604020202020204" pitchFamily="34" charset="0"/>
                 <a:ea typeface="+mn-ea"/>
-                <a:cs typeface="Times New Roman" panose="02020603050405020304" pitchFamily="18" charset="0"/>
+                <a:cs typeface="Arial" panose="020B0604020202020204" pitchFamily="34" charset="0"/>
               </a:defRPr>
             </a:pPr>
             <a:endParaRPr lang="zh-CN"/>
           </a:p>
         </c:txPr>
-        <c:crossAx val="2140508591"/>
+        <c:crossAx val="1385724671"/>
         <c:crosses val="autoZero"/>
         <c:crossBetween val="between"/>
+        <c:majorUnit val="2000"/>
       </c:valAx>
       <c:spPr>
         <a:noFill/>
@@ -579,13 +566,20 @@
       </c:spPr>
     </c:plotArea>
     <c:legend>
-      <c:legendPos val="b"/>
+      <c:legendPos val="t"/>
       <c:layout/>
-      <c:overlay val="0"/>
+      <c:overlay val="1"/>
       <c:spPr>
-        <a:noFill/>
+        <a:solidFill>
+          <a:schemeClr val="bg1"/>
+        </a:solidFill>
         <a:ln>
-          <a:noFill/>
+          <a:solidFill>
+            <a:schemeClr val="tx1">
+              <a:lumMod val="50000"/>
+              <a:lumOff val="50000"/>
+            </a:schemeClr>
+          </a:solidFill>
         </a:ln>
         <a:effectLst/>
       </c:spPr>
@@ -594,13 +588,16 @@
         <a:lstStyle/>
         <a:p>
           <a:pPr>
-            <a:defRPr sz="1400" b="0" i="0" u="none" strike="noStrike" kern="1200" baseline="0">
+            <a:defRPr sz="1100" b="0" i="0" u="none" strike="noStrike" kern="1200" baseline="0">
               <a:solidFill>
-                <a:schemeClr val="tx1"/>
+                <a:schemeClr val="tx1">
+                  <a:lumMod val="65000"/>
+                  <a:lumOff val="35000"/>
+                </a:schemeClr>
               </a:solidFill>
-              <a:latin typeface="Times New Roman" panose="02020603050405020304" pitchFamily="18" charset="0"/>
+              <a:latin typeface="Arial" panose="020B0604020202020204" pitchFamily="34" charset="0"/>
               <a:ea typeface="+mn-ea"/>
-              <a:cs typeface="Times New Roman" panose="02020603050405020304" pitchFamily="18" charset="0"/>
+              <a:cs typeface="Arial" panose="020B0604020202020204" pitchFamily="34" charset="0"/>
             </a:defRPr>
           </a:pPr>
           <a:endParaRPr lang="zh-CN"/>
@@ -656,165 +653,233 @@
         <c:grouping val="clustered"/>
         <c:varyColors val="0"/>
         <c:ser>
-          <c:idx val="1"/>
+          <c:idx val="0"/>
           <c:order val="0"/>
           <c:tx>
             <c:strRef>
-              <c:f>Sheet1!$G$17</c:f>
+              <c:f>ddr!$B$6</c:f>
               <c:strCache>
                 <c:ptCount val="1"/>
                 <c:pt idx="0">
-                  <c:v>SRAM</c:v>
+                  <c:v>single</c:v>
                 </c:pt>
               </c:strCache>
             </c:strRef>
           </c:tx>
           <c:spPr>
             <a:solidFill>
-              <a:schemeClr val="bg1"/>
+              <a:schemeClr val="accent1"/>
             </a:solidFill>
-            <a:ln w="12700">
-              <a:solidFill>
-                <a:schemeClr val="tx1"/>
-              </a:solidFill>
+            <a:ln>
+              <a:noFill/>
             </a:ln>
             <a:effectLst/>
           </c:spPr>
           <c:invertIfNegative val="0"/>
           <c:cat>
+            <c:strRef>
+              <c:f>ddr!$A$7:$A$11</c:f>
+              <c:strCache>
+                <c:ptCount val="5"/>
+                <c:pt idx="0">
+                  <c:v>1MB</c:v>
+                </c:pt>
+                <c:pt idx="1">
+                  <c:v>2MB</c:v>
+                </c:pt>
+                <c:pt idx="2">
+                  <c:v>4MB</c:v>
+                </c:pt>
+                <c:pt idx="3">
+                  <c:v>8MB</c:v>
+                </c:pt>
+                <c:pt idx="4">
+                  <c:v>16MB</c:v>
+                </c:pt>
+              </c:strCache>
+            </c:strRef>
+          </c:cat>
+          <c:val>
             <c:numRef>
-              <c:f>Sheet1!$E$18:$E$22</c:f>
+              <c:f>ddr!$B$7:$B$11</c:f>
               <c:numCache>
                 <c:formatCode>General</c:formatCode>
                 <c:ptCount val="5"/>
                 <c:pt idx="0">
-                  <c:v>1</c:v>
+                  <c:v>1257.95</c:v>
                 </c:pt>
                 <c:pt idx="1">
-                  <c:v>16</c:v>
+                  <c:v>1217.81</c:v>
                 </c:pt>
                 <c:pt idx="2">
-                  <c:v>32</c:v>
+                  <c:v>1177.67</c:v>
                 </c:pt>
                 <c:pt idx="3">
-                  <c:v>64</c:v>
+                  <c:v>1177.67</c:v>
                 </c:pt>
                 <c:pt idx="4">
-                  <c:v>128</c:v>
-                </c:pt>
-              </c:numCache>
-            </c:numRef>
-          </c:cat>
-          <c:val>
-            <c:numRef>
-              <c:f>Sheet1!$G$18:$G$22</c:f>
-              <c:numCache>
-                <c:formatCode>General</c:formatCode>
-                <c:ptCount val="5"/>
-                <c:pt idx="0">
-                  <c:v>384.75800599999991</c:v>
-                </c:pt>
-                <c:pt idx="1">
-                  <c:v>163.67531199999996</c:v>
-                </c:pt>
-                <c:pt idx="2">
-                  <c:v>139.38411200000007</c:v>
-                </c:pt>
-                <c:pt idx="3">
-                  <c:v>216.15171200000009</c:v>
-                </c:pt>
-                <c:pt idx="4">
-                  <c:v>228.51111200000003</c:v>
+                  <c:v>1177.67</c:v>
                 </c:pt>
               </c:numCache>
             </c:numRef>
           </c:val>
           <c:extLst>
             <c:ext xmlns:c16="http://schemas.microsoft.com/office/drawing/2014/chart" uri="{C3380CC4-5D6E-409C-BE32-E72D297353CC}">
-              <c16:uniqueId val="{00000000-DF70-4F72-9683-87B7A70F2479}"/>
+              <c16:uniqueId val="{00000000-7BFE-4DC4-8DB3-E60A804394E6}"/>
             </c:ext>
           </c:extLst>
         </c:ser>
         <c:ser>
-          <c:idx val="0"/>
+          <c:idx val="1"/>
           <c:order val="1"/>
           <c:tx>
             <c:strRef>
-              <c:f>Sheet1!$F$17</c:f>
+              <c:f>ddr!$C$6</c:f>
               <c:strCache>
                 <c:ptCount val="1"/>
                 <c:pt idx="0">
-                  <c:v>RRAM</c:v>
+                  <c:v>cross</c:v>
                 </c:pt>
               </c:strCache>
             </c:strRef>
           </c:tx>
           <c:spPr>
             <a:solidFill>
-              <a:schemeClr val="tx1">
-                <a:lumMod val="50000"/>
-                <a:lumOff val="50000"/>
-              </a:schemeClr>
+              <a:schemeClr val="accent2"/>
             </a:solidFill>
-            <a:ln w="12700">
-              <a:solidFill>
-                <a:schemeClr val="tx1"/>
-              </a:solidFill>
+            <a:ln>
+              <a:noFill/>
             </a:ln>
             <a:effectLst/>
           </c:spPr>
           <c:invertIfNegative val="0"/>
           <c:cat>
+            <c:strRef>
+              <c:f>ddr!$A$7:$A$11</c:f>
+              <c:strCache>
+                <c:ptCount val="5"/>
+                <c:pt idx="0">
+                  <c:v>1MB</c:v>
+                </c:pt>
+                <c:pt idx="1">
+                  <c:v>2MB</c:v>
+                </c:pt>
+                <c:pt idx="2">
+                  <c:v>4MB</c:v>
+                </c:pt>
+                <c:pt idx="3">
+                  <c:v>8MB</c:v>
+                </c:pt>
+                <c:pt idx="4">
+                  <c:v>16MB</c:v>
+                </c:pt>
+              </c:strCache>
+            </c:strRef>
+          </c:cat>
+          <c:val>
             <c:numRef>
-              <c:f>Sheet1!$E$18:$E$22</c:f>
+              <c:f>ddr!$C$7:$C$11</c:f>
               <c:numCache>
                 <c:formatCode>General</c:formatCode>
                 <c:ptCount val="5"/>
                 <c:pt idx="0">
-                  <c:v>1</c:v>
+                  <c:v>1077.32</c:v>
                 </c:pt>
                 <c:pt idx="1">
-                  <c:v>16</c:v>
+                  <c:v>1057.25</c:v>
                 </c:pt>
                 <c:pt idx="2">
-                  <c:v>32</c:v>
+                  <c:v>966.93100000000004</c:v>
                 </c:pt>
                 <c:pt idx="3">
-                  <c:v>64</c:v>
+                  <c:v>946.86099999999999</c:v>
                 </c:pt>
                 <c:pt idx="4">
-                  <c:v>128</c:v>
-                </c:pt>
-              </c:numCache>
-            </c:numRef>
-          </c:cat>
-          <c:val>
-            <c:numRef>
-              <c:f>Sheet1!$F$18:$F$22</c:f>
-              <c:numCache>
-                <c:formatCode>General</c:formatCode>
-                <c:ptCount val="5"/>
-                <c:pt idx="0">
-                  <c:v>2170.7248179999997</c:v>
-                </c:pt>
-                <c:pt idx="1">
-                  <c:v>529.08314900000016</c:v>
-                </c:pt>
-                <c:pt idx="2">
-                  <c:v>331.44314900000006</c:v>
-                </c:pt>
-                <c:pt idx="3">
-                  <c:v>325.16914900000006</c:v>
-                </c:pt>
-                <c:pt idx="4">
-                  <c:v>296.00704900000005</c:v>
+                  <c:v>936.82600000000002</c:v>
                 </c:pt>
               </c:numCache>
             </c:numRef>
           </c:val>
           <c:extLst>
             <c:ext xmlns:c16="http://schemas.microsoft.com/office/drawing/2014/chart" uri="{C3380CC4-5D6E-409C-BE32-E72D297353CC}">
-              <c16:uniqueId val="{00000001-DF70-4F72-9683-87B7A70F2479}"/>
+              <c16:uniqueId val="{00000001-7BFE-4DC4-8DB3-E60A804394E6}"/>
+            </c:ext>
+          </c:extLst>
+        </c:ser>
+        <c:ser>
+          <c:idx val="2"/>
+          <c:order val="2"/>
+          <c:tx>
+            <c:strRef>
+              <c:f>ddr!$D$6</c:f>
+              <c:strCache>
+                <c:ptCount val="1"/>
+                <c:pt idx="0">
+                  <c:v>fix weight</c:v>
+                </c:pt>
+              </c:strCache>
+            </c:strRef>
+          </c:tx>
+          <c:spPr>
+            <a:solidFill>
+              <a:schemeClr val="accent3"/>
+            </a:solidFill>
+            <a:ln>
+              <a:noFill/>
+            </a:ln>
+            <a:effectLst/>
+          </c:spPr>
+          <c:invertIfNegative val="0"/>
+          <c:cat>
+            <c:strRef>
+              <c:f>ddr!$A$7:$A$11</c:f>
+              <c:strCache>
+                <c:ptCount val="5"/>
+                <c:pt idx="0">
+                  <c:v>1MB</c:v>
+                </c:pt>
+                <c:pt idx="1">
+                  <c:v>2MB</c:v>
+                </c:pt>
+                <c:pt idx="2">
+                  <c:v>4MB</c:v>
+                </c:pt>
+                <c:pt idx="3">
+                  <c:v>8MB</c:v>
+                </c:pt>
+                <c:pt idx="4">
+                  <c:v>16MB</c:v>
+                </c:pt>
+              </c:strCache>
+            </c:strRef>
+          </c:cat>
+          <c:val>
+            <c:numRef>
+              <c:f>ddr!$D$7:$D$11</c:f>
+              <c:numCache>
+                <c:formatCode>General</c:formatCode>
+                <c:ptCount val="5"/>
+                <c:pt idx="0">
+                  <c:v>1069.77</c:v>
+                </c:pt>
+                <c:pt idx="1">
+                  <c:v>968.60199999999998</c:v>
+                </c:pt>
+                <c:pt idx="2">
+                  <c:v>673.07500000000005</c:v>
+                </c:pt>
+                <c:pt idx="3">
+                  <c:v>261.01799999999997</c:v>
+                </c:pt>
+                <c:pt idx="4">
+                  <c:v>15.0528</c:v>
+                </c:pt>
+              </c:numCache>
+            </c:numRef>
+          </c:val>
+          <c:extLst>
+            <c:ext xmlns:c16="http://schemas.microsoft.com/office/drawing/2014/chart" uri="{C3380CC4-5D6E-409C-BE32-E72D297353CC}">
+              <c16:uniqueId val="{00000002-7BFE-4DC4-8DB3-E60A804394E6}"/>
             </c:ext>
           </c:extLst>
         </c:ser>
@@ -828,25 +893,98 @@
         </c:dLbls>
         <c:gapWidth val="219"/>
         <c:overlap val="-27"/>
-        <c:axId val="1414619647"/>
-        <c:axId val="1414628383"/>
+        <c:axId val="1392381471"/>
+        <c:axId val="1392383135"/>
       </c:barChart>
       <c:catAx>
-        <c:axId val="1414619647"/>
+        <c:axId val="1392381471"/>
         <c:scaling>
           <c:orientation val="minMax"/>
         </c:scaling>
         <c:delete val="0"/>
         <c:axPos val="b"/>
+        <c:title>
+          <c:tx>
+            <c:rich>
+              <a:bodyPr rot="0" spcFirstLastPara="1" vertOverflow="ellipsis" vert="horz" wrap="square" anchor="ctr" anchorCtr="1"/>
+              <a:lstStyle/>
+              <a:p>
+                <a:pPr>
+                  <a:defRPr sz="1100" b="0" i="0" u="none" strike="noStrike" kern="1200" baseline="0">
+                    <a:solidFill>
+                      <a:schemeClr val="tx1">
+                        <a:lumMod val="65000"/>
+                        <a:lumOff val="35000"/>
+                      </a:schemeClr>
+                    </a:solidFill>
+                    <a:latin typeface="Arial" panose="020B0604020202020204" pitchFamily="34" charset="0"/>
+                    <a:ea typeface="+mn-ea"/>
+                    <a:cs typeface="Arial" panose="020B0604020202020204" pitchFamily="34" charset="0"/>
+                  </a:defRPr>
+                </a:pPr>
+                <a:r>
+                  <a:rPr lang="en-US" altLang="zh-CN" sz="1100" dirty="0" smtClean="0">
+                    <a:latin typeface="Arial" panose="020B0604020202020204" pitchFamily="34" charset="0"/>
+                    <a:cs typeface="Arial" panose="020B0604020202020204" pitchFamily="34" charset="0"/>
+                  </a:rPr>
+                  <a:t>Weight</a:t>
+                </a:r>
+                <a:r>
+                  <a:rPr lang="en-US" altLang="zh-CN" sz="1100" baseline="0" dirty="0" smtClean="0">
+                    <a:latin typeface="Arial" panose="020B0604020202020204" pitchFamily="34" charset="0"/>
+                    <a:cs typeface="Arial" panose="020B0604020202020204" pitchFamily="34" charset="0"/>
+                  </a:rPr>
+                  <a:t> Buffer Size</a:t>
+                </a:r>
+                <a:endParaRPr lang="zh-CN" altLang="en-US" sz="1100" dirty="0">
+                  <a:latin typeface="Arial" panose="020B0604020202020204" pitchFamily="34" charset="0"/>
+                  <a:cs typeface="Arial" panose="020B0604020202020204" pitchFamily="34" charset="0"/>
+                </a:endParaRPr>
+              </a:p>
+            </c:rich>
+          </c:tx>
+          <c:layout/>
+          <c:overlay val="0"/>
+          <c:spPr>
+            <a:noFill/>
+            <a:ln>
+              <a:noFill/>
+            </a:ln>
+            <a:effectLst/>
+          </c:spPr>
+          <c:txPr>
+            <a:bodyPr rot="0" spcFirstLastPara="1" vertOverflow="ellipsis" vert="horz" wrap="square" anchor="ctr" anchorCtr="1"/>
+            <a:lstStyle/>
+            <a:p>
+              <a:pPr>
+                <a:defRPr sz="1100" b="0" i="0" u="none" strike="noStrike" kern="1200" baseline="0">
+                  <a:solidFill>
+                    <a:schemeClr val="tx1">
+                      <a:lumMod val="65000"/>
+                      <a:lumOff val="35000"/>
+                    </a:schemeClr>
+                  </a:solidFill>
+                  <a:latin typeface="Arial" panose="020B0604020202020204" pitchFamily="34" charset="0"/>
+                  <a:ea typeface="+mn-ea"/>
+                  <a:cs typeface="Arial" panose="020B0604020202020204" pitchFamily="34" charset="0"/>
+                </a:defRPr>
+              </a:pPr>
+              <a:endParaRPr lang="zh-CN"/>
+            </a:p>
+          </c:txPr>
+        </c:title>
         <c:numFmt formatCode="General" sourceLinked="1"/>
         <c:majorTickMark val="none"/>
         <c:minorTickMark val="none"/>
         <c:tickLblPos val="nextTo"/>
         <c:spPr>
           <a:noFill/>
-          <a:ln w="12700" cap="flat" cmpd="sng" algn="ctr">
+          <a:ln w="9525" cap="flat" cmpd="sng" algn="ctr">
             <a:solidFill>
-              <a:schemeClr val="tx1"/>
+              <a:schemeClr val="tx1">
+                <a:lumMod val="15000"/>
+                <a:lumOff val="85000"/>
+              </a:schemeClr>
             </a:solidFill>
             <a:round/>
           </a:ln>
@@ -857,19 +995,22 @@
           <a:lstStyle/>
           <a:p>
             <a:pPr>
-              <a:defRPr sz="1400" b="0" i="0" u="none" strike="noStrike" kern="1200" baseline="0">
+              <a:defRPr sz="1100" b="0" i="0" u="none" strike="noStrike" kern="1200" baseline="0">
                 <a:solidFill>
-                  <a:schemeClr val="tx1"/>
+                  <a:schemeClr val="tx1">
+                    <a:lumMod val="65000"/>
+                    <a:lumOff val="35000"/>
+                  </a:schemeClr>
                 </a:solidFill>
-                <a:latin typeface="Times New Roman" panose="02020603050405020304" pitchFamily="18" charset="0"/>
+                <a:latin typeface="Arial" panose="020B0604020202020204" pitchFamily="34" charset="0"/>
                 <a:ea typeface="+mn-ea"/>
-                <a:cs typeface="Times New Roman" panose="02020603050405020304" pitchFamily="18" charset="0"/>
+                <a:cs typeface="Arial" panose="020B0604020202020204" pitchFamily="34" charset="0"/>
               </a:defRPr>
             </a:pPr>
             <a:endParaRPr lang="zh-CN"/>
           </a:p>
         </c:txPr>
-        <c:crossAx val="1414628383"/>
+        <c:crossAx val="1392383135"/>
         <c:crosses val="autoZero"/>
         <c:auto val="1"/>
         <c:lblAlgn val="ctr"/>
@@ -877,7 +1018,7 @@
         <c:noMultiLvlLbl val="0"/>
       </c:catAx>
       <c:valAx>
-        <c:axId val="1414628383"/>
+        <c:axId val="1392383135"/>
         <c:scaling>
           <c:orientation val="minMax"/>
         </c:scaling>
@@ -904,61 +1045,42 @@
               <a:lstStyle/>
               <a:p>
                 <a:pPr>
-                  <a:defRPr sz="1400" b="0" i="0" u="none" strike="noStrike" kern="1200" baseline="0">
+                  <a:defRPr sz="1050" b="0" i="0" u="none" strike="noStrike" kern="1200" baseline="0">
                     <a:solidFill>
-                      <a:schemeClr val="tx1"/>
+                      <a:schemeClr val="tx1">
+                        <a:lumMod val="65000"/>
+                        <a:lumOff val="35000"/>
+                      </a:schemeClr>
                     </a:solidFill>
-                    <a:latin typeface="Times New Roman" panose="02020603050405020304" pitchFamily="18" charset="0"/>
+                    <a:latin typeface="Arial" panose="020B0604020202020204" pitchFamily="34" charset="0"/>
                     <a:ea typeface="+mn-ea"/>
-                    <a:cs typeface="Times New Roman" panose="02020603050405020304" pitchFamily="18" charset="0"/>
+                    <a:cs typeface="Arial" panose="020B0604020202020204" pitchFamily="34" charset="0"/>
                   </a:defRPr>
                 </a:pPr>
                 <a:r>
-                  <a:rPr lang="en-US" altLang="zh-CN" sz="1400" dirty="0" smtClean="0">
-                    <a:solidFill>
-                      <a:schemeClr val="tx1"/>
-                    </a:solidFill>
-                    <a:latin typeface="Times New Roman" panose="02020603050405020304" pitchFamily="18" charset="0"/>
-                    <a:cs typeface="Times New Roman" panose="02020603050405020304" pitchFamily="18" charset="0"/>
+                  <a:rPr lang="en-US" altLang="zh-CN" sz="1050" dirty="0" smtClean="0">
+                    <a:latin typeface="Arial" panose="020B0604020202020204" pitchFamily="34" charset="0"/>
+                    <a:cs typeface="Arial" panose="020B0604020202020204" pitchFamily="34" charset="0"/>
                   </a:rPr>
-                  <a:t>On-chip</a:t>
+                  <a:t>DDR read energy(</a:t>
                 </a:r>
                 <a:r>
-                  <a:rPr lang="en-US" altLang="zh-CN" sz="1400" baseline="0" dirty="0" smtClean="0">
-                    <a:solidFill>
-                      <a:schemeClr val="tx1"/>
-                    </a:solidFill>
-                    <a:latin typeface="Times New Roman" panose="02020603050405020304" pitchFamily="18" charset="0"/>
-                    <a:cs typeface="Times New Roman" panose="02020603050405020304" pitchFamily="18" charset="0"/>
-                  </a:rPr>
-                  <a:t> Buffer Energy (</a:t>
-                </a:r>
-                <a:r>
-                  <a:rPr lang="en-US" altLang="zh-CN" sz="1400" baseline="0" dirty="0" err="1" smtClean="0">
-                    <a:solidFill>
-                      <a:schemeClr val="tx1"/>
-                    </a:solidFill>
-                    <a:latin typeface="Times New Roman" panose="02020603050405020304" pitchFamily="18" charset="0"/>
-                    <a:cs typeface="Times New Roman" panose="02020603050405020304" pitchFamily="18" charset="0"/>
+                  <a:rPr lang="en-US" altLang="zh-CN" sz="1050" dirty="0" err="1" smtClean="0">
+                    <a:latin typeface="Arial" panose="020B0604020202020204" pitchFamily="34" charset="0"/>
+                    <a:cs typeface="Arial" panose="020B0604020202020204" pitchFamily="34" charset="0"/>
                   </a:rPr>
                   <a:t>uJ</a:t>
                 </a:r>
                 <a:r>
-                  <a:rPr lang="en-US" altLang="zh-CN" sz="1400" baseline="0" dirty="0" smtClean="0">
-                    <a:solidFill>
-                      <a:schemeClr val="tx1"/>
-                    </a:solidFill>
-                    <a:latin typeface="Times New Roman" panose="02020603050405020304" pitchFamily="18" charset="0"/>
-                    <a:cs typeface="Times New Roman" panose="02020603050405020304" pitchFamily="18" charset="0"/>
+                  <a:rPr lang="en-US" altLang="zh-CN" sz="1050" dirty="0" smtClean="0">
+                    <a:latin typeface="Arial" panose="020B0604020202020204" pitchFamily="34" charset="0"/>
+                    <a:cs typeface="Arial" panose="020B0604020202020204" pitchFamily="34" charset="0"/>
                   </a:rPr>
                   <a:t>)</a:t>
                 </a:r>
-                <a:endParaRPr lang="zh-CN" altLang="en-US" sz="1400" dirty="0">
-                  <a:solidFill>
-                    <a:schemeClr val="tx1"/>
-                  </a:solidFill>
-                  <a:latin typeface="Times New Roman" panose="02020603050405020304" pitchFamily="18" charset="0"/>
-                  <a:cs typeface="Times New Roman" panose="02020603050405020304" pitchFamily="18" charset="0"/>
+                <a:endParaRPr lang="zh-CN" altLang="en-US" sz="1050" dirty="0">
+                  <a:latin typeface="Arial" panose="020B0604020202020204" pitchFamily="34" charset="0"/>
+                  <a:cs typeface="Arial" panose="020B0604020202020204" pitchFamily="34" charset="0"/>
                 </a:endParaRPr>
               </a:p>
             </c:rich>
@@ -977,13 +1099,16 @@
             <a:lstStyle/>
             <a:p>
               <a:pPr>
-                <a:defRPr sz="1400" b="0" i="0" u="none" strike="noStrike" kern="1200" baseline="0">
+                <a:defRPr sz="1050" b="0" i="0" u="none" strike="noStrike" kern="1200" baseline="0">
                   <a:solidFill>
-                    <a:schemeClr val="tx1"/>
+                    <a:schemeClr val="tx1">
+                      <a:lumMod val="65000"/>
+                      <a:lumOff val="35000"/>
+                    </a:schemeClr>
                   </a:solidFill>
-                  <a:latin typeface="Times New Roman" panose="02020603050405020304" pitchFamily="18" charset="0"/>
+                  <a:latin typeface="Arial" panose="020B0604020202020204" pitchFamily="34" charset="0"/>
                   <a:ea typeface="+mn-ea"/>
-                  <a:cs typeface="Times New Roman" panose="02020603050405020304" pitchFamily="18" charset="0"/>
+                  <a:cs typeface="Arial" panose="020B0604020202020204" pitchFamily="34" charset="0"/>
                 </a:defRPr>
               </a:pPr>
               <a:endParaRPr lang="zh-CN"/>
@@ -1006,19 +1131,22 @@
           <a:lstStyle/>
           <a:p>
             <a:pPr>
-              <a:defRPr sz="1400" b="0" i="0" u="none" strike="noStrike" kern="1200" baseline="0">
+              <a:defRPr sz="1100" b="0" i="0" u="none" strike="noStrike" kern="1200" baseline="0">
                 <a:solidFill>
-                  <a:schemeClr val="tx1"/>
+                  <a:schemeClr val="tx1">
+                    <a:lumMod val="65000"/>
+                    <a:lumOff val="35000"/>
+                  </a:schemeClr>
                 </a:solidFill>
-                <a:latin typeface="Times New Roman" panose="02020603050405020304" pitchFamily="18" charset="0"/>
+                <a:latin typeface="Arial" panose="020B0604020202020204" pitchFamily="34" charset="0"/>
                 <a:ea typeface="+mn-ea"/>
-                <a:cs typeface="Times New Roman" panose="02020603050405020304" pitchFamily="18" charset="0"/>
+                <a:cs typeface="Arial" panose="020B0604020202020204" pitchFamily="34" charset="0"/>
               </a:defRPr>
             </a:pPr>
             <a:endParaRPr lang="zh-CN"/>
           </a:p>
         </c:txPr>
-        <c:crossAx val="1414619647"/>
+        <c:crossAx val="1392381471"/>
         <c:crosses val="autoZero"/>
         <c:crossBetween val="between"/>
       </c:valAx>
@@ -1031,13 +1159,20 @@
       </c:spPr>
     </c:plotArea>
     <c:legend>
-      <c:legendPos val="b"/>
+      <c:legendPos val="t"/>
       <c:layout/>
-      <c:overlay val="0"/>
+      <c:overlay val="1"/>
       <c:spPr>
-        <a:noFill/>
+        <a:solidFill>
+          <a:schemeClr val="bg1"/>
+        </a:solidFill>
         <a:ln>
-          <a:noFill/>
+          <a:solidFill>
+            <a:schemeClr val="tx1">
+              <a:lumMod val="50000"/>
+              <a:lumOff val="50000"/>
+            </a:schemeClr>
+          </a:solidFill>
         </a:ln>
         <a:effectLst/>
       </c:spPr>
@@ -1046,13 +1181,16 @@
         <a:lstStyle/>
         <a:p>
           <a:pPr>
-            <a:defRPr sz="1400" b="0" i="0" u="none" strike="noStrike" kern="1200" baseline="0">
+            <a:defRPr sz="1100" b="0" i="0" u="none" strike="noStrike" kern="1200" baseline="0">
               <a:solidFill>
-                <a:schemeClr val="tx1"/>
+                <a:schemeClr val="tx1">
+                  <a:lumMod val="65000"/>
+                  <a:lumOff val="35000"/>
+                </a:schemeClr>
               </a:solidFill>
-              <a:latin typeface="Times New Roman" panose="02020603050405020304" pitchFamily="18" charset="0"/>
+              <a:latin typeface="Arial" panose="020B0604020202020204" pitchFamily="34" charset="0"/>
               <a:ea typeface="+mn-ea"/>
-              <a:cs typeface="Times New Roman" panose="02020603050405020304" pitchFamily="18" charset="0"/>
+              <a:cs typeface="Arial" panose="020B0604020202020204" pitchFamily="34" charset="0"/>
             </a:defRPr>
           </a:pPr>
           <a:endParaRPr lang="zh-CN"/>
@@ -5035,21 +5173,21 @@
       </p:grpSpPr>
       <p:graphicFrame>
         <p:nvGraphicFramePr>
-          <p:cNvPr id="4" name="图表 3"/>
+          <p:cNvPr id="2" name="图表 1"/>
           <p:cNvGraphicFramePr>
             <a:graphicFrameLocks/>
           </p:cNvGraphicFramePr>
           <p:nvPr>
             <p:extLst>
               <p:ext uri="{D42A27DB-BD31-4B8C-83A1-F6EECF244321}">
-                <p14:modId xmlns:p14="http://schemas.microsoft.com/office/powerpoint/2010/main" val="565226839"/>
+                <p14:modId xmlns:p14="http://schemas.microsoft.com/office/powerpoint/2010/main" val="3995430445"/>
               </p:ext>
             </p:extLst>
           </p:nvPr>
         </p:nvGraphicFramePr>
         <p:xfrm>
-          <a:off x="7269600" y="1739661"/>
-          <a:ext cx="6345088" cy="3128873"/>
+          <a:off x="1334796" y="1959593"/>
+          <a:ext cx="5433994" cy="3025001"/>
         </p:xfrm>
         <a:graphic>
           <a:graphicData uri="http://schemas.openxmlformats.org/drawingml/2006/chart">
@@ -5057,59 +5195,23 @@
           </a:graphicData>
         </a:graphic>
       </p:graphicFrame>
-      <p:sp>
-        <p:nvSpPr>
-          <p:cNvPr id="5" name="文本框 4"/>
-          <p:cNvSpPr txBox="1"/>
-          <p:nvPr/>
-        </p:nvSpPr>
-        <p:spPr>
-          <a:xfrm>
-            <a:off x="10442144" y="4864548"/>
-            <a:ext cx="482824" cy="400110"/>
-          </a:xfrm>
-          <a:prstGeom prst="rect">
-            <a:avLst/>
-          </a:prstGeom>
-          <a:noFill/>
-        </p:spPr>
-        <p:txBody>
-          <a:bodyPr wrap="none" rtlCol="0">
-            <a:spAutoFit/>
-          </a:bodyPr>
-          <a:lstStyle/>
-          <a:p>
-            <a:r>
-              <a:rPr lang="en-US" altLang="zh-CN" sz="2000" dirty="0">
-                <a:latin typeface="Times New Roman" panose="02020603050405020304" pitchFamily="18" charset="0"/>
-                <a:cs typeface="Times New Roman" panose="02020603050405020304" pitchFamily="18" charset="0"/>
-              </a:rPr>
-              <a:t>(b)</a:t>
-            </a:r>
-            <a:endParaRPr lang="zh-CN" altLang="en-US" sz="2000" dirty="0">
-              <a:latin typeface="Times New Roman" panose="02020603050405020304" pitchFamily="18" charset="0"/>
-              <a:cs typeface="Times New Roman" panose="02020603050405020304" pitchFamily="18" charset="0"/>
-            </a:endParaRPr>
-          </a:p>
-        </p:txBody>
-      </p:sp>
       <p:graphicFrame>
         <p:nvGraphicFramePr>
-          <p:cNvPr id="6" name="图表 5"/>
+          <p:cNvPr id="3" name="图表 2"/>
           <p:cNvGraphicFramePr>
             <a:graphicFrameLocks/>
           </p:cNvGraphicFramePr>
           <p:nvPr>
             <p:extLst>
               <p:ext uri="{D42A27DB-BD31-4B8C-83A1-F6EECF244321}">
-                <p14:modId xmlns:p14="http://schemas.microsoft.com/office/powerpoint/2010/main" val="156626285"/>
+                <p14:modId xmlns:p14="http://schemas.microsoft.com/office/powerpoint/2010/main" val="3951126736"/>
               </p:ext>
             </p:extLst>
           </p:nvPr>
         </p:nvGraphicFramePr>
         <p:xfrm>
-          <a:off x="487800" y="1739661"/>
-          <a:ext cx="6781800" cy="3128873"/>
+          <a:off x="7348653" y="1959593"/>
+          <a:ext cx="5433994" cy="3025001"/>
         </p:xfrm>
         <a:graphic>
           <a:graphicData uri="http://schemas.openxmlformats.org/drawingml/2006/chart">
@@ -5119,14 +5221,14 @@
       </p:graphicFrame>
       <p:sp>
         <p:nvSpPr>
-          <p:cNvPr id="7" name="文本框 6"/>
+          <p:cNvPr id="4" name="文本框 3"/>
           <p:cNvSpPr txBox="1"/>
           <p:nvPr/>
         </p:nvSpPr>
         <p:spPr>
           <a:xfrm>
-            <a:off x="3660344" y="4864548"/>
-            <a:ext cx="482824" cy="400110"/>
+            <a:off x="4204010" y="4895386"/>
+            <a:ext cx="436338" cy="369332"/>
           </a:xfrm>
           <a:prstGeom prst="rect">
             <a:avLst/>
@@ -5140,65 +5242,23 @@
           <a:lstStyle/>
           <a:p>
             <a:r>
-              <a:rPr lang="en-US" altLang="zh-CN" sz="2000" dirty="0" smtClean="0">
-                <a:latin typeface="Times New Roman" panose="02020603050405020304" pitchFamily="18" charset="0"/>
-                <a:cs typeface="Times New Roman" panose="02020603050405020304" pitchFamily="18" charset="0"/>
-              </a:rPr>
+              <a:rPr lang="en-US" altLang="zh-CN" dirty="0" smtClean="0"/>
               <a:t>(a)</a:t>
             </a:r>
-            <a:endParaRPr lang="zh-CN" altLang="en-US" sz="2000" dirty="0">
-              <a:latin typeface="Times New Roman" panose="02020603050405020304" pitchFamily="18" charset="0"/>
-              <a:cs typeface="Times New Roman" panose="02020603050405020304" pitchFamily="18" charset="0"/>
-            </a:endParaRPr>
-          </a:p>
-        </p:txBody>
-      </p:sp>
-      <p:cxnSp>
-        <p:nvCxnSpPr>
-          <p:cNvPr id="8" name="直接箭头连接符 7"/>
-          <p:cNvCxnSpPr/>
+            <a:endParaRPr lang="zh-CN" altLang="en-US" dirty="0"/>
+          </a:p>
+        </p:txBody>
+      </p:sp>
+      <p:sp>
+        <p:nvSpPr>
+          <p:cNvPr id="5" name="文本框 4"/>
+          <p:cNvSpPr txBox="1"/>
           <p:nvPr/>
-        </p:nvCxnSpPr>
+        </p:nvSpPr>
         <p:spPr>
           <a:xfrm>
-            <a:off x="2303964" y="2209800"/>
-            <a:ext cx="4238625" cy="1657350"/>
-          </a:xfrm>
-          <a:prstGeom prst="straightConnector1">
-            <a:avLst/>
-          </a:prstGeom>
-          <a:ln w="19050">
-            <a:solidFill>
-              <a:schemeClr val="tx1"/>
-            </a:solidFill>
-            <a:tailEnd type="triangle"/>
-          </a:ln>
-        </p:spPr>
-        <p:style>
-          <a:lnRef idx="1">
-            <a:schemeClr val="accent1"/>
-          </a:lnRef>
-          <a:fillRef idx="0">
-            <a:schemeClr val="accent1"/>
-          </a:fillRef>
-          <a:effectRef idx="0">
-            <a:schemeClr val="accent1"/>
-          </a:effectRef>
-          <a:fontRef idx="minor">
-            <a:schemeClr val="tx1"/>
-          </a:fontRef>
-        </p:style>
-      </p:cxnSp>
-      <p:sp>
-        <p:nvSpPr>
-          <p:cNvPr id="9" name="文本框 8"/>
-          <p:cNvSpPr txBox="1"/>
-          <p:nvPr/>
-        </p:nvSpPr>
-        <p:spPr>
-          <a:xfrm rot="1288108">
-            <a:off x="3717874" y="2732578"/>
-            <a:ext cx="1756699" cy="338554"/>
+            <a:off x="10210800" y="4895386"/>
+            <a:ext cx="447558" cy="369332"/>
           </a:xfrm>
           <a:prstGeom prst="rect">
             <a:avLst/>
@@ -5212,23 +5272,17 @@
           <a:lstStyle/>
           <a:p>
             <a:r>
-              <a:rPr lang="en-US" altLang="zh-CN" sz="1600" dirty="0">
-                <a:latin typeface="Times New Roman" panose="02020603050405020304" pitchFamily="18" charset="0"/>
-                <a:cs typeface="Times New Roman" panose="02020603050405020304" pitchFamily="18" charset="0"/>
-              </a:rPr>
-              <a:t>86% energy saving</a:t>
-            </a:r>
-            <a:endParaRPr lang="zh-CN" altLang="en-US" sz="1600" dirty="0">
-              <a:latin typeface="Times New Roman" panose="02020603050405020304" pitchFamily="18" charset="0"/>
-              <a:cs typeface="Times New Roman" panose="02020603050405020304" pitchFamily="18" charset="0"/>
-            </a:endParaRPr>
+              <a:rPr lang="en-US" altLang="zh-CN" dirty="0" smtClean="0"/>
+              <a:t>(b)</a:t>
+            </a:r>
+            <a:endParaRPr lang="zh-CN" altLang="en-US" dirty="0"/>
           </a:p>
         </p:txBody>
       </p:sp>
     </p:spTree>
     <p:extLst>
       <p:ext uri="{BB962C8B-B14F-4D97-AF65-F5344CB8AC3E}">
-        <p14:creationId xmlns:p14="http://schemas.microsoft.com/office/powerpoint/2010/main" val="1821869490"/>
+        <p14:creationId xmlns:p14="http://schemas.microsoft.com/office/powerpoint/2010/main" val="1032376488"/>
       </p:ext>
     </p:extLst>
   </p:cSld>
